--- a/assignment2/distributed_systems.pptx
+++ b/assignment2/distributed_systems.pptx
@@ -3906,7 +3906,7 @@
         <p:spPr>
           <a:xfrm flipH="1">
             <a:off x="2465168" y="915178"/>
-            <a:ext cx="22685" cy="5942822"/>
+            <a:ext cx="22685" cy="4370443"/>
           </a:xfrm>
           <a:prstGeom prst="line">
             <a:avLst/>
@@ -3943,7 +3943,7 @@
         <p:spPr>
           <a:xfrm flipH="1">
             <a:off x="5241479" y="915178"/>
-            <a:ext cx="38363" cy="5861758"/>
+            <a:ext cx="38363" cy="4370443"/>
           </a:xfrm>
           <a:prstGeom prst="line">
             <a:avLst/>
@@ -3980,7 +3980,7 @@
         <p:spPr>
           <a:xfrm>
             <a:off x="7906747" y="915178"/>
-            <a:ext cx="0" cy="5942822"/>
+            <a:ext cx="0" cy="4370443"/>
           </a:xfrm>
           <a:prstGeom prst="line">
             <a:avLst/>
@@ -4558,11 +4558,7 @@
           <a:p>
             <a:r>
               <a:rPr lang="en-US" sz="1400" dirty="0" smtClean="0"/>
-              <a:t>5.2</a:t>
-            </a:r>
-            <a:r>
-              <a:rPr lang="en-US" sz="1400" smtClean="0"/>
-              <a:t>) commit</a:t>
+              <a:t>5.2) commit</a:t>
             </a:r>
             <a:endParaRPr lang="en-US" sz="1400" dirty="0"/>
           </a:p>
